--- a/SistemasEmbarcadosDia05.pptx
+++ b/SistemasEmbarcadosDia05.pptx
@@ -3767,11 +3767,19 @@
             </a:pPr>
             <a:r>
               <a:rPr lang="pt-BR" b="1" dirty="0" err="1"/>
-              <a:t>digitalWrite</a:t>
+              <a:t>digitalRead</a:t>
             </a:r>
             <a:r>
               <a:rPr lang="pt-BR" b="1" dirty="0"/>
-              <a:t>( PORT, PIN);</a:t>
+              <a:t>( </a:t>
+            </a:r>
+            <a:r>
+              <a:rPr lang="pt-BR" b="1" u="sng" dirty="0"/>
+              <a:t>PORT</a:t>
+            </a:r>
+            <a:r>
+              <a:rPr lang="pt-BR" b="1" dirty="0"/>
+              <a:t>, PIN);</a:t>
             </a:r>
           </a:p>
           <a:p>
